--- a/pocs/ppt-poi-fun/powerpoint.pptx
+++ b/pocs/ppt-poi-fun/powerpoint.pptx
@@ -7,6 +7,7 @@
   <p:sldIdLst>
     <p:sldId id="256" r:id="rId6"/>
     <p:sldId id="257" r:id="rId7"/>
+    <p:sldId id="258" r:id="rId8"/>
   </p:sldIdLst>
   <p:sldSz cx="9144000" cy="6858000" type="screen4x3"/>
   <p:notesSz cx="6858000" cy="9144000"/>
@@ -3106,6 +3107,16 @@
             </a:r>
             <a:endParaRPr lang="en-US"/>
           </a:p>
+          <a:p>
+            <a:r>
+              <a:rPr lang="en-US" sz="3200">
+                <a:solidFill>
+                  <a:srgbClr val="4E9359"/>
+                </a:solidFill>
+              </a:rPr>
+              <a:t>Java on PPT</a:t>
+            </a:r>
+          </a:p>
         </p:txBody>
       </p:sp>
       <p:sp xmlns:r="http://schemas.openxmlformats.org/officeDocument/2006/relationships">
@@ -3122,41 +3133,88 @@
         <p:txBody>
           <a:bodyPr/>
           <a:lstStyle/>
-          <a:p>
-            <a:pPr lvl="0"/>
-            <a:r>
-              <a:rPr lang="en-US" smtClean="0"/>
-              <a:t>Click to edit Master text styles</a:t>
-            </a:r>
-          </a:p>
-          <a:p>
-            <a:pPr lvl="1"/>
-            <a:r>
-              <a:rPr lang="en-US" smtClean="0"/>
-              <a:t>Second level</a:t>
-            </a:r>
-          </a:p>
-          <a:p>
-            <a:pPr lvl="2"/>
-            <a:r>
-              <a:rPr lang="en-US" smtClean="0"/>
-              <a:t>Third level</a:t>
-            </a:r>
-          </a:p>
-          <a:p>
-            <a:pPr lvl="3"/>
-            <a:r>
-              <a:rPr lang="en-US" smtClean="0"/>
-              <a:t>Fourth level</a:t>
-            </a:r>
-          </a:p>
-          <a:p>
-            <a:pPr lvl="4"/>
-            <a:r>
-              <a:rPr lang="en-US" smtClean="0"/>
-              <a:t>Fifth level</a:t>
-            </a:r>
-            <a:endParaRPr lang="en-US"/>
+        </p:txBody>
+      </p:sp>
+    </p:spTree>
+  </p:cSld>
+  <p:clrMapOvr>
+    <a:masterClrMapping/>
+  </p:clrMapOvr>
+</p:sld>
+</file>
+
+<file path=ppt/slides/slide3.xml><?xml version="1.0" encoding="utf-8"?>
+<p:sld xmlns:p="http://schemas.openxmlformats.org/presentationml/2006/main" xmlns:a="http://schemas.openxmlformats.org/drawingml/2006/main">
+  <p:cSld>
+    <p:spTree>
+      <p:nvGrpSpPr>
+        <p:cNvPr id="1" name=""/>
+        <p:cNvGrpSpPr/>
+        <p:nvPr/>
+      </p:nvGrpSpPr>
+      <p:grpSpPr>
+        <a:xfrm>
+          <a:off x="0" y="0"/>
+          <a:ext cx="0" cy="0"/>
+          <a:chOff x="0" y="0"/>
+          <a:chExt cx="0" cy="0"/>
+        </a:xfrm>
+      </p:grpSpPr>
+      <p:sp xmlns:r="http://schemas.openxmlformats.org/officeDocument/2006/relationships">
+        <p:nvSpPr>
+          <p:cNvPr id="2" name="Title 1"/>
+          <p:cNvSpPr>
+            <a:spLocks noGrp="1"/>
+          </p:cNvSpPr>
+          <p:nvPr>
+            <p:ph type="title"/>
+          </p:nvPr>
+        </p:nvSpPr>
+        <p:spPr/>
+        <p:txBody>
+          <a:bodyPr/>
+          <a:lstStyle/>
+          <a:p>
+            <a:r>
+              <a:rPr lang="en-US">
+                <a:hlinkClick r:id="rId2" tooltip="http://google.com"/>
+              </a:rPr>
+              <a:t>Google Link</a:t>
+            </a:r>
+          </a:p>
+        </p:txBody>
+      </p:sp>
+      <p:sp xmlns:r="http://schemas.openxmlformats.org/officeDocument/2006/relationships">
+        <p:nvSpPr>
+          <p:cNvPr id="3" name="Content Placeholder 2"/>
+          <p:cNvSpPr>
+            <a:spLocks noGrp="1"/>
+          </p:cNvSpPr>
+          <p:nvPr>
+            <p:ph idx="1"/>
+          </p:nvPr>
+        </p:nvSpPr>
+        <p:spPr/>
+        <p:txBody>
+          <a:bodyPr/>
+          <a:lstStyle/>
+          <a:p>
+            <a:r>
+              <a:rPr lang="en-US"/>
+              <a:t>First paragraph</a:t>
+            </a:r>
+          </a:p>
+          <a:p>
+            <a:r>
+              <a:rPr lang="en-US"/>
+              <a:t>Second paragraph</a:t>
+            </a:r>
+          </a:p>
+          <a:p>
+            <a:r>
+              <a:rPr lang="en-US"/>
+              <a:t>Third paragraph</a:t>
+            </a:r>
           </a:p>
         </p:txBody>
       </p:sp>
